--- a/Sprint 3 Presentation.pptx
+++ b/Sprint 3 Presentation.pptx
@@ -119,6 +119,11 @@
       </a:defRPr>
     </a:lvl9pPr>
   </p:defaultTextStyle>
+  <p:extLst>
+    <p:ext uri="{EFAFB233-063F-42B5-8137-9DF3F51BA10A}">
+      <p15:sldGuideLst xmlns:p15="http://schemas.microsoft.com/office/powerpoint/2012/main"/>
+    </p:ext>
+  </p:extLst>
 </p:presentation>
 </file>
 
@@ -12278,7 +12283,7 @@
           <a:p>
             <a:fld id="{16356377-9302-46B6-8A66-BE7633A97005}" type="datetimeFigureOut">
               <a:rPr lang="en-CA" smtClean="0"/>
-              <a:t>2024-01-05</a:t>
+              <a:t>2024-01-08</a:t>
             </a:fld>
             <a:endParaRPr lang="en-CA"/>
           </a:p>
@@ -12734,7 +12739,7 @@
           <a:p>
             <a:fld id="{26FAEBFC-B2BC-4813-B712-B0F6F5EA7561}" type="datetime1">
               <a:rPr lang="en-CA" smtClean="0"/>
-              <a:t>2024-01-05</a:t>
+              <a:t>2024-01-08</a:t>
             </a:fld>
             <a:endParaRPr lang="en-CA"/>
           </a:p>
@@ -13072,7 +13077,7 @@
           <a:p>
             <a:fld id="{3FB43DE6-7707-4060-A3F4-C9FAD14B61F7}" type="datetime1">
               <a:rPr lang="en-CA" smtClean="0"/>
-              <a:t>2024-01-05</a:t>
+              <a:t>2024-01-08</a:t>
             </a:fld>
             <a:endParaRPr lang="en-CA"/>
           </a:p>
@@ -13473,7 +13478,7 @@
           <a:p>
             <a:fld id="{E61AF387-F2F3-45C6-BB25-A52794A1EA92}" type="datetime1">
               <a:rPr lang="en-CA" smtClean="0"/>
-              <a:t>2024-01-05</a:t>
+              <a:t>2024-01-08</a:t>
             </a:fld>
             <a:endParaRPr lang="en-CA"/>
           </a:p>
@@ -13809,7 +13814,7 @@
           <a:p>
             <a:fld id="{C75EDDDE-D60F-455A-91A3-61097C1B79AC}" type="datetime1">
               <a:rPr lang="en-CA" smtClean="0"/>
-              <a:t>2024-01-05</a:t>
+              <a:t>2024-01-08</a:t>
             </a:fld>
             <a:endParaRPr lang="en-CA"/>
           </a:p>
@@ -14129,7 +14134,7 @@
           <a:p>
             <a:fld id="{6EF01D15-97A7-4F57-BFD7-185486E61DA0}" type="datetime1">
               <a:rPr lang="en-CA" smtClean="0"/>
-              <a:t>2024-01-05</a:t>
+              <a:t>2024-01-08</a:t>
             </a:fld>
             <a:endParaRPr lang="en-CA"/>
           </a:p>
@@ -14525,7 +14530,7 @@
           <a:p>
             <a:fld id="{245098F8-4F8D-4183-BBC2-7F5E6A508AC1}" type="datetime1">
               <a:rPr lang="en-CA" smtClean="0"/>
-              <a:t>2024-01-05</a:t>
+              <a:t>2024-01-08</a:t>
             </a:fld>
             <a:endParaRPr lang="en-CA"/>
           </a:p>
@@ -14782,7 +14787,7 @@
           <a:p>
             <a:fld id="{92E0567D-CEAF-4235-A683-9A59E8D6EDE1}" type="datetime1">
               <a:rPr lang="en-CA" smtClean="0"/>
-              <a:t>2024-01-05</a:t>
+              <a:t>2024-01-08</a:t>
             </a:fld>
             <a:endParaRPr lang="en-CA"/>
           </a:p>
@@ -15044,7 +15049,7 @@
           <a:p>
             <a:fld id="{B744F90F-5799-49E4-B752-E45CC615ECFF}" type="datetime1">
               <a:rPr lang="en-CA" smtClean="0"/>
-              <a:t>2024-01-05</a:t>
+              <a:t>2024-01-08</a:t>
             </a:fld>
             <a:endParaRPr lang="en-CA"/>
           </a:p>
@@ -15306,7 +15311,7 @@
           <a:p>
             <a:fld id="{795D87C6-C527-4E3A-A842-F224BBBFF9E7}" type="datetime1">
               <a:rPr lang="en-CA" smtClean="0"/>
-              <a:t>2024-01-05</a:t>
+              <a:t>2024-01-08</a:t>
             </a:fld>
             <a:endParaRPr lang="en-CA"/>
           </a:p>
@@ -15635,7 +15640,7 @@
           <a:p>
             <a:fld id="{3FA968D6-509D-4673-9E80-81CA718A63CD}" type="datetime1">
               <a:rPr lang="en-CA" smtClean="0"/>
-              <a:t>2024-01-05</a:t>
+              <a:t>2024-01-08</a:t>
             </a:fld>
             <a:endParaRPr lang="en-CA"/>
           </a:p>
@@ -15958,7 +15963,7 @@
           <a:p>
             <a:fld id="{88F33401-5897-477F-A786-5C5CC6BEA944}" type="datetime1">
               <a:rPr lang="en-CA" smtClean="0"/>
-              <a:t>2024-01-05</a:t>
+              <a:t>2024-01-08</a:t>
             </a:fld>
             <a:endParaRPr lang="en-CA"/>
           </a:p>
@@ -16415,7 +16420,7 @@
           <a:p>
             <a:fld id="{5E73E56E-B83A-43A0-ABF7-7D7318CB7FD1}" type="datetime1">
               <a:rPr lang="en-CA" smtClean="0"/>
-              <a:t>2024-01-05</a:t>
+              <a:t>2024-01-08</a:t>
             </a:fld>
             <a:endParaRPr lang="en-CA"/>
           </a:p>
@@ -16620,7 +16625,7 @@
           <a:p>
             <a:fld id="{8FF9B3EB-5CF7-4201-AEF5-A3AFFBF7B717}" type="datetime1">
               <a:rPr lang="en-CA" smtClean="0"/>
-              <a:t>2024-01-05</a:t>
+              <a:t>2024-01-08</a:t>
             </a:fld>
             <a:endParaRPr lang="en-CA"/>
           </a:p>
@@ -16797,7 +16802,7 @@
           <a:p>
             <a:fld id="{0EF81A2A-14B9-4AAE-AD64-854C6B80FE51}" type="datetime1">
               <a:rPr lang="en-CA" smtClean="0"/>
-              <a:t>2024-01-05</a:t>
+              <a:t>2024-01-08</a:t>
             </a:fld>
             <a:endParaRPr lang="en-CA"/>
           </a:p>
@@ -17130,7 +17135,7 @@
           <a:p>
             <a:fld id="{6F7C768A-C0E6-4CC1-992A-A720AE7BFB25}" type="datetime1">
               <a:rPr lang="en-CA" smtClean="0"/>
-              <a:t>2024-01-05</a:t>
+              <a:t>2024-01-08</a:t>
             </a:fld>
             <a:endParaRPr lang="en-CA"/>
           </a:p>
@@ -17475,7 +17480,7 @@
           <a:p>
             <a:fld id="{26728966-71EE-405A-8571-F40F01D3E4B4}" type="datetime1">
               <a:rPr lang="en-CA" smtClean="0"/>
-              <a:t>2024-01-05</a:t>
+              <a:t>2024-01-08</a:t>
             </a:fld>
             <a:endParaRPr lang="en-CA"/>
           </a:p>
@@ -19592,7 +19597,7 @@
           <a:p>
             <a:fld id="{DEBF07BD-F2F7-4B70-8EC6-7AB38121BA38}" type="datetime1">
               <a:rPr lang="en-CA" smtClean="0"/>
-              <a:t>2024-01-05</a:t>
+              <a:t>2024-01-08</a:t>
             </a:fld>
             <a:endParaRPr lang="en-CA"/>
           </a:p>
@@ -22852,8 +22857,8 @@
         </p:blipFill>
         <p:spPr bwMode="auto">
           <a:xfrm>
-            <a:off x="3357563" y="1839134"/>
-            <a:ext cx="5476875" cy="4352925"/>
+            <a:off x="2845837" y="1432423"/>
+            <a:ext cx="6475445" cy="5146571"/>
           </a:xfrm>
           <a:prstGeom prst="rect">
             <a:avLst/>
